--- a/10. PWM.pptx
+++ b/10. PWM.pptx
@@ -5637,6 +5637,14 @@
 <file path=ppt/slides/slide5.xml><?xml version="1.0" encoding="utf-8"?>
 <p:sld xmlns:a="http://schemas.openxmlformats.org/drawingml/2006/main" xmlns:r="http://schemas.openxmlformats.org/officeDocument/2006/relationships" xmlns:p="http://schemas.openxmlformats.org/presentationml/2006/main">
   <p:cSld>
+    <p:bg>
+      <p:bgPr>
+        <a:solidFill>
+          <a:schemeClr val="bg1"/>
+        </a:solidFill>
+        <a:effectLst/>
+      </p:bgPr>
+    </p:bg>
     <p:spTree>
       <p:nvGrpSpPr>
         <p:cNvPr id="1" name=""/>
@@ -5653,6 +5661,286 @@
       </p:grpSpPr>
       <p:sp>
         <p:nvSpPr>
+          <p:cNvPr id="11" name="Rectangle 10">
+            <a:extLst>
+              <a:ext uri="{FF2B5EF4-FFF2-40B4-BE49-F238E27FC236}">
+                <a16:creationId xmlns:a16="http://schemas.microsoft.com/office/drawing/2014/main" id="{7D379150-F6B4-45C8-BE10-6B278AD400EB}"/>
+              </a:ext>
+              <a:ext uri="{C183D7F6-B498-43B3-948B-1728B52AA6E4}">
+                <adec:decorative xmlns:adec="http://schemas.microsoft.com/office/drawing/2017/decorative" val="1"/>
+              </a:ext>
+            </a:extLst>
+          </p:cNvPr>
+          <p:cNvSpPr>
+            <a:spLocks noGrp="1" noRot="1" noChangeAspect="1" noMove="1" noResize="1" noEditPoints="1" noAdjustHandles="1" noChangeArrowheads="1" noChangeShapeType="1" noTextEdit="1"/>
+          </p:cNvSpPr>
+          <p:nvPr>
+            <p:extLst>
+              <p:ext uri="{386F3935-93C4-4BCD-93E2-E3B085C9AB24}">
+                <p16:designElem xmlns:p16="http://schemas.microsoft.com/office/powerpoint/2015/main" val="1"/>
+              </p:ext>
+            </p:extLst>
+          </p:nvPr>
+        </p:nvSpPr>
+        <p:spPr>
+          <a:xfrm>
+            <a:off x="1" y="6400800"/>
+            <a:ext cx="12192000" cy="457200"/>
+          </a:xfrm>
+          <a:prstGeom prst="rect">
+            <a:avLst/>
+          </a:prstGeom>
+          <a:solidFill>
+            <a:schemeClr val="accent2"/>
+          </a:solidFill>
+          <a:ln>
+            <a:noFill/>
+          </a:ln>
+        </p:spPr>
+        <p:style>
+          <a:lnRef idx="2">
+            <a:schemeClr val="accent1">
+              <a:shade val="50000"/>
+            </a:schemeClr>
+          </a:lnRef>
+          <a:fillRef idx="1">
+            <a:schemeClr val="accent1"/>
+          </a:fillRef>
+          <a:effectRef idx="0">
+            <a:schemeClr val="accent1"/>
+          </a:effectRef>
+          <a:fontRef idx="minor">
+            <a:schemeClr val="lt1"/>
+          </a:fontRef>
+        </p:style>
+      </p:sp>
+      <p:sp>
+        <p:nvSpPr>
+          <p:cNvPr id="13" name="Rectangle 12">
+            <a:extLst>
+              <a:ext uri="{FF2B5EF4-FFF2-40B4-BE49-F238E27FC236}">
+                <a16:creationId xmlns:a16="http://schemas.microsoft.com/office/drawing/2014/main" id="{5FFCF544-A370-4A5D-A95F-CA6E0E7191E6}"/>
+              </a:ext>
+              <a:ext uri="{C183D7F6-B498-43B3-948B-1728B52AA6E4}">
+                <adec:decorative xmlns:adec="http://schemas.microsoft.com/office/drawing/2017/decorative" val="1"/>
+              </a:ext>
+            </a:extLst>
+          </p:cNvPr>
+          <p:cNvSpPr>
+            <a:spLocks noGrp="1" noRot="1" noChangeAspect="1" noMove="1" noResize="1" noEditPoints="1" noAdjustHandles="1" noChangeArrowheads="1" noChangeShapeType="1" noTextEdit="1"/>
+          </p:cNvSpPr>
+          <p:nvPr>
+            <p:extLst>
+              <p:ext uri="{386F3935-93C4-4BCD-93E2-E3B085C9AB24}">
+                <p16:designElem xmlns:p16="http://schemas.microsoft.com/office/powerpoint/2015/main" val="1"/>
+              </p:ext>
+            </p:extLst>
+          </p:nvPr>
+        </p:nvSpPr>
+        <p:spPr>
+          <a:xfrm>
+            <a:off x="0" y="6334316"/>
+            <a:ext cx="12192001" cy="65998"/>
+          </a:xfrm>
+          <a:prstGeom prst="rect">
+            <a:avLst/>
+          </a:prstGeom>
+          <a:solidFill>
+            <a:schemeClr val="accent1"/>
+          </a:solidFill>
+          <a:ln>
+            <a:noFill/>
+          </a:ln>
+        </p:spPr>
+        <p:style>
+          <a:lnRef idx="2">
+            <a:schemeClr val="accent1">
+              <a:shade val="50000"/>
+            </a:schemeClr>
+          </a:lnRef>
+          <a:fillRef idx="1">
+            <a:schemeClr val="accent1"/>
+          </a:fillRef>
+          <a:effectRef idx="0">
+            <a:schemeClr val="accent1"/>
+          </a:effectRef>
+          <a:fontRef idx="minor">
+            <a:schemeClr val="lt1"/>
+          </a:fontRef>
+        </p:style>
+      </p:sp>
+      <p:cxnSp>
+        <p:nvCxnSpPr>
+          <p:cNvPr id="15" name="Straight Connector 14">
+            <a:extLst>
+              <a:ext uri="{FF2B5EF4-FFF2-40B4-BE49-F238E27FC236}">
+                <a16:creationId xmlns:a16="http://schemas.microsoft.com/office/drawing/2014/main" id="{6EEB3B97-A638-498B-8083-54191CE71E01}"/>
+              </a:ext>
+              <a:ext uri="{C183D7F6-B498-43B3-948B-1728B52AA6E4}">
+                <adec:decorative xmlns:adec="http://schemas.microsoft.com/office/drawing/2017/decorative" val="1"/>
+              </a:ext>
+            </a:extLst>
+          </p:cNvPr>
+          <p:cNvCxnSpPr>
+            <a:cxnSpLocks noGrp="1" noRot="1" noChangeAspect="1" noMove="1" noResize="1" noEditPoints="1" noAdjustHandles="1" noChangeArrowheads="1" noChangeShapeType="1"/>
+          </p:cNvCxnSpPr>
+          <p:nvPr>
+            <p:extLst>
+              <p:ext uri="{386F3935-93C4-4BCD-93E2-E3B085C9AB24}">
+                <p16:designElem xmlns:p16="http://schemas.microsoft.com/office/powerpoint/2015/main" val="1"/>
+              </p:ext>
+            </p:extLst>
+          </p:nvPr>
+        </p:nvCxnSpPr>
+        <p:spPr>
+          <a:xfrm>
+            <a:off x="1193532" y="1737845"/>
+            <a:ext cx="9966960" cy="0"/>
+          </a:xfrm>
+          <a:prstGeom prst="line">
+            <a:avLst/>
+          </a:prstGeom>
+          <a:ln w="6350">
+            <a:solidFill>
+              <a:schemeClr val="tx1">
+                <a:lumMod val="50000"/>
+                <a:lumOff val="50000"/>
+              </a:schemeClr>
+            </a:solidFill>
+          </a:ln>
+        </p:spPr>
+        <p:style>
+          <a:lnRef idx="1">
+            <a:schemeClr val="accent1"/>
+          </a:lnRef>
+          <a:fillRef idx="0">
+            <a:schemeClr val="accent1"/>
+          </a:fillRef>
+          <a:effectRef idx="0">
+            <a:schemeClr val="accent1"/>
+          </a:effectRef>
+          <a:fontRef idx="minor">
+            <a:schemeClr val="tx1"/>
+          </a:fontRef>
+        </p:style>
+      </p:cxnSp>
+      <p:sp useBgFill="1">
+        <p:nvSpPr>
+          <p:cNvPr id="17" name="Rectangle 16">
+            <a:extLst>
+              <a:ext uri="{FF2B5EF4-FFF2-40B4-BE49-F238E27FC236}">
+                <a16:creationId xmlns:a16="http://schemas.microsoft.com/office/drawing/2014/main" id="{44CC594A-A820-450F-B363-C19201FCFEC6}"/>
+              </a:ext>
+              <a:ext uri="{C183D7F6-B498-43B3-948B-1728B52AA6E4}">
+                <adec:decorative xmlns:adec="http://schemas.microsoft.com/office/drawing/2017/decorative" val="1"/>
+              </a:ext>
+            </a:extLst>
+          </p:cNvPr>
+          <p:cNvSpPr>
+            <a:spLocks noGrp="1" noRot="1" noChangeAspect="1" noMove="1" noResize="1" noEditPoints="1" noAdjustHandles="1" noChangeArrowheads="1" noChangeShapeType="1" noTextEdit="1"/>
+          </p:cNvSpPr>
+          <p:nvPr>
+            <p:extLst>
+              <p:ext uri="{386F3935-93C4-4BCD-93E2-E3B085C9AB24}">
+                <p16:designElem xmlns:p16="http://schemas.microsoft.com/office/powerpoint/2015/main" val="1"/>
+              </p:ext>
+            </p:extLst>
+          </p:nvPr>
+        </p:nvSpPr>
+        <p:spPr>
+          <a:xfrm>
+            <a:off x="0" y="0"/>
+            <a:ext cx="12186315" cy="6858000"/>
+          </a:xfrm>
+          <a:prstGeom prst="rect">
+            <a:avLst/>
+          </a:prstGeom>
+          <a:ln>
+            <a:noFill/>
+          </a:ln>
+        </p:spPr>
+        <p:style>
+          <a:lnRef idx="2">
+            <a:schemeClr val="accent6">
+              <a:shade val="50000"/>
+            </a:schemeClr>
+          </a:lnRef>
+          <a:fillRef idx="1001">
+            <a:schemeClr val="lt1"/>
+          </a:fillRef>
+          <a:effectRef idx="0">
+            <a:schemeClr val="accent6"/>
+          </a:effectRef>
+          <a:fontRef idx="minor">
+            <a:schemeClr val="lt1"/>
+          </a:fontRef>
+        </p:style>
+        <p:txBody>
+          <a:bodyPr rtlCol="0" anchor="ctr"/>
+          <a:lstStyle/>
+          <a:p>
+            <a:pPr algn="ctr"/>
+            <a:endParaRPr lang="en-US"/>
+          </a:p>
+        </p:txBody>
+      </p:sp>
+      <p:sp>
+        <p:nvSpPr>
+          <p:cNvPr id="19" name="Rectangle 18">
+            <a:extLst>
+              <a:ext uri="{FF2B5EF4-FFF2-40B4-BE49-F238E27FC236}">
+                <a16:creationId xmlns:a16="http://schemas.microsoft.com/office/drawing/2014/main" id="{59FAB3DA-E9ED-4574-ABCC-378BC0FF1BBC}"/>
+              </a:ext>
+              <a:ext uri="{C183D7F6-B498-43B3-948B-1728B52AA6E4}">
+                <adec:decorative xmlns:adec="http://schemas.microsoft.com/office/drawing/2017/decorative" val="1"/>
+              </a:ext>
+            </a:extLst>
+          </p:cNvPr>
+          <p:cNvSpPr>
+            <a:spLocks noGrp="1" noRot="1" noChangeAspect="1" noMove="1" noResize="1" noEditPoints="1" noAdjustHandles="1" noChangeArrowheads="1" noChangeShapeType="1" noTextEdit="1"/>
+          </p:cNvSpPr>
+          <p:nvPr>
+            <p:extLst>
+              <p:ext uri="{386F3935-93C4-4BCD-93E2-E3B085C9AB24}">
+                <p16:designElem xmlns:p16="http://schemas.microsoft.com/office/powerpoint/2015/main" val="1"/>
+              </p:ext>
+            </p:extLst>
+          </p:nvPr>
+        </p:nvSpPr>
+        <p:spPr>
+          <a:xfrm>
+            <a:off x="16" y="0"/>
+            <a:ext cx="4050791" cy="6858000"/>
+          </a:xfrm>
+          <a:prstGeom prst="rect">
+            <a:avLst/>
+          </a:prstGeom>
+          <a:solidFill>
+            <a:schemeClr val="accent2"/>
+          </a:solidFill>
+          <a:ln>
+            <a:noFill/>
+          </a:ln>
+        </p:spPr>
+        <p:style>
+          <a:lnRef idx="2">
+            <a:schemeClr val="accent1">
+              <a:shade val="50000"/>
+            </a:schemeClr>
+          </a:lnRef>
+          <a:fillRef idx="1">
+            <a:schemeClr val="accent1"/>
+          </a:fillRef>
+          <a:effectRef idx="0">
+            <a:schemeClr val="accent1"/>
+          </a:effectRef>
+          <a:fontRef idx="minor">
+            <a:schemeClr val="lt1"/>
+          </a:fontRef>
+        </p:style>
+      </p:sp>
+      <p:sp>
+        <p:nvSpPr>
           <p:cNvPr id="2" name="Título 1">
             <a:extLst>
               <a:ext uri="{FF2B5EF4-FFF2-40B4-BE49-F238E27FC236}">
@@ -5667,22 +5955,259 @@
             <p:ph type="title"/>
           </p:nvPr>
         </p:nvSpPr>
-        <p:spPr/>
-        <p:txBody>
-          <a:bodyPr/>
+        <p:spPr>
+          <a:xfrm>
+            <a:off x="492370" y="516835"/>
+            <a:ext cx="3084844" cy="2103875"/>
+          </a:xfrm>
+        </p:spPr>
+        <p:txBody>
+          <a:bodyPr vert="horz" lIns="91440" tIns="45720" rIns="91440" bIns="45720" rtlCol="0" anchor="b">
+            <a:normAutofit/>
+          </a:bodyPr>
           <a:lstStyle/>
           <a:p>
             <a:r>
-              <a:rPr lang="pt-BR" b="1" dirty="0">
+              <a:rPr lang="en-US" sz="3600" b="1">
                 <a:solidFill>
-                  <a:srgbClr val="FF0000"/>
+                  <a:srgbClr val="FFFFFF"/>
                 </a:solidFill>
               </a:rPr>
               <a:t>PWM MOTOR DC (BOMBA)</a:t>
             </a:r>
-            <a:endParaRPr lang="pt-BR" dirty="0"/>
-          </a:p>
-        </p:txBody>
+            <a:endParaRPr lang="en-US" sz="3600">
+              <a:solidFill>
+                <a:srgbClr val="FFFFFF"/>
+              </a:solidFill>
+            </a:endParaRPr>
+          </a:p>
+        </p:txBody>
+      </p:sp>
+      <p:sp>
+        <p:nvSpPr>
+          <p:cNvPr id="3" name="Marcador de contenido 2">
+            <a:extLst>
+              <a:ext uri="{FF2B5EF4-FFF2-40B4-BE49-F238E27FC236}">
+                <a16:creationId xmlns:a16="http://schemas.microsoft.com/office/drawing/2014/main" id="{4B41D427-752C-4926-B69B-8967D54B6ED9}"/>
+              </a:ext>
+            </a:extLst>
+          </p:cNvPr>
+          <p:cNvSpPr>
+            <a:spLocks noGrp="1"/>
+          </p:cNvSpPr>
+          <p:nvPr>
+            <p:ph sz="half" idx="2"/>
+          </p:nvPr>
+        </p:nvSpPr>
+        <p:spPr>
+          <a:xfrm>
+            <a:off x="492371" y="2653800"/>
+            <a:ext cx="3084844" cy="3335519"/>
+          </a:xfrm>
+        </p:spPr>
+        <p:txBody>
+          <a:bodyPr vert="horz" lIns="0" tIns="45720" rIns="0" bIns="45720" rtlCol="0">
+            <a:normAutofit/>
+          </a:bodyPr>
+          <a:lstStyle/>
+          <a:p>
+            <a:r>
+              <a:rPr lang="en-US" sz="1500" b="1" dirty="0" err="1">
+                <a:solidFill>
+                  <a:srgbClr val="FFFFFF"/>
+                </a:solidFill>
+              </a:rPr>
+              <a:t>Componentes</a:t>
+            </a:r>
+            <a:r>
+              <a:rPr lang="en-US" sz="1500" dirty="0">
+                <a:solidFill>
+                  <a:srgbClr val="FFFFFF"/>
+                </a:solidFill>
+              </a:rPr>
+              <a:t> </a:t>
+            </a:r>
+          </a:p>
+          <a:p>
+            <a:pPr marL="457200" indent="-457200">
+              <a:buFont typeface="Calibri" panose="020F0502020204030204" pitchFamily="34" charset="0"/>
+              <a:buAutoNum type="arabicPeriod"/>
+            </a:pPr>
+            <a:r>
+              <a:rPr lang="en-US" sz="1500" dirty="0">
+                <a:solidFill>
+                  <a:srgbClr val="FFFFFF"/>
+                </a:solidFill>
+              </a:rPr>
+              <a:t>Motor DC (</a:t>
+            </a:r>
+            <a:r>
+              <a:rPr lang="en-US" sz="1500" dirty="0" err="1">
+                <a:solidFill>
+                  <a:srgbClr val="FFFFFF"/>
+                </a:solidFill>
+              </a:rPr>
+              <a:t>Bomba</a:t>
+            </a:r>
+            <a:r>
+              <a:rPr lang="en-US" sz="1500" dirty="0">
+                <a:solidFill>
+                  <a:srgbClr val="FFFFFF"/>
+                </a:solidFill>
+              </a:rPr>
+              <a:t>)</a:t>
+            </a:r>
+          </a:p>
+          <a:p>
+            <a:pPr marL="457200" indent="-457200">
+              <a:buFont typeface="Calibri" panose="020F0502020204030204" pitchFamily="34" charset="0"/>
+              <a:buAutoNum type="arabicPeriod"/>
+            </a:pPr>
+            <a:r>
+              <a:rPr lang="en-US" sz="1500" dirty="0" err="1">
+                <a:solidFill>
+                  <a:srgbClr val="FFFFFF"/>
+                </a:solidFill>
+              </a:rPr>
+              <a:t>Mosfet</a:t>
+            </a:r>
+            <a:r>
+              <a:rPr lang="en-US" sz="1500" dirty="0">
+                <a:solidFill>
+                  <a:srgbClr val="FFFFFF"/>
+                </a:solidFill>
+              </a:rPr>
+              <a:t> IRFZ44n</a:t>
+            </a:r>
+          </a:p>
+          <a:p>
+            <a:pPr marL="457200" indent="-457200">
+              <a:buFont typeface="Calibri" panose="020F0502020204030204" pitchFamily="34" charset="0"/>
+              <a:buAutoNum type="arabicPeriod"/>
+            </a:pPr>
+            <a:r>
+              <a:rPr lang="en-US" sz="1500" dirty="0" err="1">
+                <a:solidFill>
+                  <a:srgbClr val="FFFFFF"/>
+                </a:solidFill>
+              </a:rPr>
+              <a:t>Diodo</a:t>
+            </a:r>
+            <a:r>
+              <a:rPr lang="en-US" sz="1500" dirty="0">
+                <a:solidFill>
+                  <a:srgbClr val="FFFFFF"/>
+                </a:solidFill>
+              </a:rPr>
+              <a:t> 1n4003</a:t>
+            </a:r>
+          </a:p>
+          <a:p>
+            <a:pPr marL="457200" indent="-457200">
+              <a:buFont typeface="Calibri" panose="020F0502020204030204" pitchFamily="34" charset="0"/>
+              <a:buAutoNum type="arabicPeriod"/>
+            </a:pPr>
+            <a:r>
+              <a:rPr lang="en-US" sz="1500" dirty="0">
+                <a:solidFill>
+                  <a:srgbClr val="FFFFFF"/>
+                </a:solidFill>
+              </a:rPr>
+              <a:t>Resistor 220Ohms</a:t>
+            </a:r>
+          </a:p>
+          <a:p>
+            <a:pPr marL="457200" indent="-457200">
+              <a:buFont typeface="Calibri" panose="020F0502020204030204" pitchFamily="34" charset="0"/>
+              <a:buAutoNum type="arabicPeriod"/>
+            </a:pPr>
+            <a:r>
+              <a:rPr lang="en-US" sz="1500" dirty="0" err="1">
+                <a:solidFill>
+                  <a:srgbClr val="FFFFFF"/>
+                </a:solidFill>
+              </a:rPr>
+              <a:t>Potenciômetro</a:t>
+            </a:r>
+            <a:r>
+              <a:rPr lang="en-US" sz="1500" dirty="0">
+                <a:solidFill>
+                  <a:srgbClr val="FFFFFF"/>
+                </a:solidFill>
+              </a:rPr>
+              <a:t> </a:t>
+            </a:r>
+          </a:p>
+          <a:p>
+            <a:pPr marL="457200" indent="-457200">
+              <a:buFont typeface="Calibri" panose="020F0502020204030204" pitchFamily="34" charset="0"/>
+              <a:buAutoNum type="arabicPeriod"/>
+            </a:pPr>
+            <a:r>
+              <a:rPr lang="en-US" sz="1500" dirty="0">
+                <a:solidFill>
+                  <a:srgbClr val="FFFFFF"/>
+                </a:solidFill>
+              </a:rPr>
+              <a:t>Arduino</a:t>
+            </a:r>
+          </a:p>
+        </p:txBody>
+      </p:sp>
+      <p:sp>
+        <p:nvSpPr>
+          <p:cNvPr id="21" name="Rectangle 20">
+            <a:extLst>
+              <a:ext uri="{FF2B5EF4-FFF2-40B4-BE49-F238E27FC236}">
+                <a16:creationId xmlns:a16="http://schemas.microsoft.com/office/drawing/2014/main" id="{53B8D6B0-55D6-48DC-86D8-FD95D5F118AB}"/>
+              </a:ext>
+              <a:ext uri="{C183D7F6-B498-43B3-948B-1728B52AA6E4}">
+                <adec:decorative xmlns:adec="http://schemas.microsoft.com/office/drawing/2017/decorative" val="1"/>
+              </a:ext>
+            </a:extLst>
+          </p:cNvPr>
+          <p:cNvSpPr>
+            <a:spLocks noGrp="1" noRot="1" noChangeAspect="1" noMove="1" noResize="1" noEditPoints="1" noAdjustHandles="1" noChangeArrowheads="1" noChangeShapeType="1" noTextEdit="1"/>
+          </p:cNvSpPr>
+          <p:nvPr>
+            <p:extLst>
+              <p:ext uri="{386F3935-93C4-4BCD-93E2-E3B085C9AB24}">
+                <p16:designElem xmlns:p16="http://schemas.microsoft.com/office/powerpoint/2015/main" val="1"/>
+              </p:ext>
+            </p:extLst>
+          </p:nvPr>
+        </p:nvSpPr>
+        <p:spPr>
+          <a:xfrm>
+            <a:off x="4040071" y="0"/>
+            <a:ext cx="64008" cy="6858000"/>
+          </a:xfrm>
+          <a:prstGeom prst="rect">
+            <a:avLst/>
+          </a:prstGeom>
+          <a:solidFill>
+            <a:schemeClr val="accent1"/>
+          </a:solidFill>
+          <a:ln>
+            <a:noFill/>
+          </a:ln>
+        </p:spPr>
+        <p:style>
+          <a:lnRef idx="2">
+            <a:schemeClr val="accent1">
+              <a:shade val="50000"/>
+            </a:schemeClr>
+          </a:lnRef>
+          <a:fillRef idx="1">
+            <a:schemeClr val="accent1"/>
+          </a:fillRef>
+          <a:effectRef idx="0">
+            <a:schemeClr val="accent1"/>
+          </a:effectRef>
+          <a:fontRef idx="minor">
+            <a:schemeClr val="lt1"/>
+          </a:fontRef>
+        </p:style>
       </p:sp>
       <p:pic>
         <p:nvPicPr>
@@ -5697,7 +6222,7 @@
             <a:picLocks noGrp="1" noChangeAspect="1"/>
           </p:cNvPicPr>
           <p:nvPr>
-            <p:ph idx="1"/>
+            <p:ph sz="half" idx="1"/>
           </p:nvPr>
         </p:nvPicPr>
         <p:blipFill>
@@ -5714,9 +6239,12 @@
         </p:blipFill>
         <p:spPr>
           <a:xfrm>
-            <a:off x="2127671" y="1846263"/>
-            <a:ext cx="7996984" cy="4022725"/>
+            <a:off x="4249900" y="1473693"/>
+            <a:ext cx="7738149" cy="3888420"/>
           </a:xfrm>
+          <a:prstGeom prst="rect">
+            <a:avLst/>
+          </a:prstGeom>
         </p:spPr>
       </p:pic>
       <p:sp>
@@ -5735,15 +6263,132 @@
             <p:ph type="ftr" sz="quarter" idx="11"/>
           </p:nvPr>
         </p:nvSpPr>
-        <p:spPr/>
-        <p:txBody>
-          <a:bodyPr/>
+        <p:spPr>
+          <a:xfrm>
+            <a:off x="156170" y="6334316"/>
+            <a:ext cx="3757243" cy="457198"/>
+          </a:xfrm>
+        </p:spPr>
+        <p:txBody>
+          <a:bodyPr vert="horz" lIns="91440" tIns="45720" rIns="91440" bIns="45720" rtlCol="0" anchor="ctr">
+            <a:normAutofit/>
+          </a:bodyPr>
           <a:lstStyle/>
           <a:p>
-            <a:r>
-              <a:rPr lang="es-419"/>
-              <a:t>Curso de Arduino  -  Escola Piloto  -  Sergio Andres Castaño Giraldo</a:t>
-            </a:r>
+            <a:pPr defTabSz="914400">
+              <a:lnSpc>
+                <a:spcPct val="90000"/>
+              </a:lnSpc>
+              <a:spcAft>
+                <a:spcPts val="600"/>
+              </a:spcAft>
+            </a:pPr>
+            <a:r>
+              <a:rPr lang="en-US" kern="1200" cap="all" baseline="0" dirty="0" err="1">
+                <a:solidFill>
+                  <a:srgbClr val="FFFFFF"/>
+                </a:solidFill>
+                <a:latin typeface="+mn-lt"/>
+                <a:ea typeface="+mn-ea"/>
+                <a:cs typeface="+mn-cs"/>
+              </a:rPr>
+              <a:t>Curso</a:t>
+            </a:r>
+            <a:r>
+              <a:rPr lang="en-US" kern="1200" cap="all" baseline="0" dirty="0">
+                <a:solidFill>
+                  <a:srgbClr val="FFFFFF"/>
+                </a:solidFill>
+                <a:latin typeface="+mn-lt"/>
+                <a:ea typeface="+mn-ea"/>
+                <a:cs typeface="+mn-cs"/>
+              </a:rPr>
+              <a:t> de Arduino  -  Escola </a:t>
+            </a:r>
+            <a:r>
+              <a:rPr lang="en-US" kern="1200" cap="all" baseline="0" dirty="0" err="1">
+                <a:solidFill>
+                  <a:srgbClr val="FFFFFF"/>
+                </a:solidFill>
+                <a:latin typeface="+mn-lt"/>
+                <a:ea typeface="+mn-ea"/>
+                <a:cs typeface="+mn-cs"/>
+              </a:rPr>
+              <a:t>Piloto</a:t>
+            </a:r>
+            <a:r>
+              <a:rPr lang="en-US" kern="1200" cap="all" baseline="0" dirty="0">
+                <a:solidFill>
+                  <a:srgbClr val="FFFFFF"/>
+                </a:solidFill>
+                <a:latin typeface="+mn-lt"/>
+                <a:ea typeface="+mn-ea"/>
+                <a:cs typeface="+mn-cs"/>
+              </a:rPr>
+              <a:t>  -  </a:t>
+            </a:r>
+          </a:p>
+          <a:p>
+            <a:pPr defTabSz="914400">
+              <a:lnSpc>
+                <a:spcPct val="90000"/>
+              </a:lnSpc>
+              <a:spcAft>
+                <a:spcPts val="600"/>
+              </a:spcAft>
+            </a:pPr>
+            <a:r>
+              <a:rPr lang="en-US" kern="1200" cap="all" baseline="0" dirty="0">
+                <a:solidFill>
+                  <a:srgbClr val="FFFFFF"/>
+                </a:solidFill>
+                <a:latin typeface="+mn-lt"/>
+                <a:ea typeface="+mn-ea"/>
+                <a:cs typeface="+mn-cs"/>
+              </a:rPr>
+              <a:t>Sergio Andres </a:t>
+            </a:r>
+            <a:r>
+              <a:rPr lang="en-US" kern="1200" cap="all" baseline="0" dirty="0" err="1">
+                <a:solidFill>
+                  <a:srgbClr val="FFFFFF"/>
+                </a:solidFill>
+                <a:latin typeface="+mn-lt"/>
+                <a:ea typeface="+mn-ea"/>
+                <a:cs typeface="+mn-cs"/>
+              </a:rPr>
+              <a:t>Castaño</a:t>
+            </a:r>
+            <a:r>
+              <a:rPr lang="en-US" kern="1200" cap="all" baseline="0" dirty="0">
+                <a:solidFill>
+                  <a:srgbClr val="FFFFFF"/>
+                </a:solidFill>
+                <a:latin typeface="+mn-lt"/>
+                <a:ea typeface="+mn-ea"/>
+                <a:cs typeface="+mn-cs"/>
+              </a:rPr>
+              <a:t> </a:t>
+            </a:r>
+            <a:r>
+              <a:rPr lang="en-US" kern="1200" cap="all" baseline="0" dirty="0" err="1">
+                <a:solidFill>
+                  <a:srgbClr val="FFFFFF"/>
+                </a:solidFill>
+                <a:latin typeface="+mn-lt"/>
+                <a:ea typeface="+mn-ea"/>
+                <a:cs typeface="+mn-cs"/>
+              </a:rPr>
+              <a:t>Giraldo</a:t>
+            </a:r>
+            <a:endParaRPr lang="en-US" kern="1200" cap="all" baseline="0" dirty="0">
+              <a:solidFill>
+                <a:srgbClr val="FFFFFF"/>
+              </a:solidFill>
+              <a:latin typeface="+mn-lt"/>
+              <a:ea typeface="+mn-ea"/>
+              <a:cs typeface="+mn-cs"/>
+            </a:endParaRPr>
           </a:p>
         </p:txBody>
       </p:sp>
